--- a/atlas/CaseStudies.pptx
+++ b/atlas/CaseStudies.pptx
@@ -184,7 +184,7 @@
 </file>
 
 <file path=ppt/charts/chart1.xml><?xml version="1.0" encoding="utf-8"?>
-<c:chartSpace xmlns:c="http://schemas.openxmlformats.org/drawingml/2006/chart" xmlns:a="http://schemas.openxmlformats.org/drawingml/2006/main" xmlns:r="http://schemas.openxmlformats.org/officeDocument/2006/relationships" xmlns:c16r2="http://schemas.microsoft.com/office/drawing/2015/06/chart">
+<c:chartSpace xmlns:c="http://schemas.openxmlformats.org/drawingml/2006/chart" xmlns:a="http://schemas.openxmlformats.org/drawingml/2006/main" xmlns:r="http://schemas.openxmlformats.org/officeDocument/2006/relationships">
   <c:date1904 val="0"/>
   <c:lang val="en-US"/>
   <c:roundedCorners val="0"/>
@@ -241,10 +241,12 @@
             <c:size val="10"/>
             <c:spPr>
               <a:solidFill>
-                <a:schemeClr val="accent2"/>
+                <a:srgbClr val="FEF0DE"/>
               </a:solidFill>
-              <a:ln>
-                <a:noFill/>
+              <a:ln w="50800">
+                <a:solidFill>
+                  <a:schemeClr val="accent2"/>
+                </a:solidFill>
               </a:ln>
             </c:spPr>
           </c:marker>
@@ -333,7 +335,7 @@
             </c:numRef>
           </c:val>
           <c:smooth val="0"/>
-          <c:extLst>
+          <c:extLst xmlns:c16r2="http://schemas.microsoft.com/office/drawing/2015/06/chart">
             <c:ext xmlns:c16="http://schemas.microsoft.com/office/drawing/2014/chart" uri="{C3380CC4-5D6E-409C-BE32-E72D297353CC}">
               <c16:uniqueId val="{00000000-AB27-4F89-A024-DD442AFEFBD0}"/>
             </c:ext>
@@ -349,11 +351,11 @@
         </c:dLbls>
         <c:marker val="1"/>
         <c:smooth val="0"/>
-        <c:axId val="232281000"/>
-        <c:axId val="232278648"/>
+        <c:axId val="478912880"/>
+        <c:axId val="478914840"/>
       </c:lineChart>
       <c:catAx>
-        <c:axId val="232281000"/>
+        <c:axId val="478912880"/>
         <c:scaling>
           <c:orientation val="minMax"/>
         </c:scaling>
@@ -383,7 +385,7 @@
             <a:endParaRPr lang="en-US"/>
           </a:p>
         </c:txPr>
-        <c:crossAx val="232278648"/>
+        <c:crossAx val="478914840"/>
         <c:crosses val="autoZero"/>
         <c:auto val="1"/>
         <c:lblAlgn val="ctr"/>
@@ -391,7 +393,7 @@
         <c:noMultiLvlLbl val="1"/>
       </c:catAx>
       <c:valAx>
-        <c:axId val="232278648"/>
+        <c:axId val="478914840"/>
         <c:scaling>
           <c:orientation val="minMax"/>
         </c:scaling>
@@ -428,7 +430,7 @@
             <a:endParaRPr lang="en-US"/>
           </a:p>
         </c:txPr>
-        <c:crossAx val="232281000"/>
+        <c:crossAx val="478912880"/>
         <c:crosses val="autoZero"/>
         <c:crossBetween val="between"/>
         <c:majorUnit val="200"/>
@@ -455,7 +457,7 @@
 </file>
 
 <file path=ppt/charts/chart2.xml><?xml version="1.0" encoding="utf-8"?>
-<c:chartSpace xmlns:c="http://schemas.openxmlformats.org/drawingml/2006/chart" xmlns:a="http://schemas.openxmlformats.org/drawingml/2006/main" xmlns:r="http://schemas.openxmlformats.org/officeDocument/2006/relationships" xmlns:c16r2="http://schemas.microsoft.com/office/drawing/2015/06/chart">
+<c:chartSpace xmlns:c="http://schemas.openxmlformats.org/drawingml/2006/chart" xmlns:a="http://schemas.openxmlformats.org/drawingml/2006/main" xmlns:r="http://schemas.openxmlformats.org/officeDocument/2006/relationships">
   <c:date1904 val="0"/>
   <c:lang val="en-US"/>
   <c:roundedCorners val="0"/>
@@ -512,10 +514,12 @@
             <c:size val="10"/>
             <c:spPr>
               <a:solidFill>
-                <a:schemeClr val="accent2"/>
+                <a:srgbClr val="FEF0DE"/>
               </a:solidFill>
-              <a:ln>
-                <a:noFill/>
+              <a:ln w="50800">
+                <a:solidFill>
+                  <a:schemeClr val="accent2"/>
+                </a:solidFill>
               </a:ln>
             </c:spPr>
           </c:marker>
@@ -567,7 +571,7 @@
             </c:numRef>
           </c:val>
           <c:smooth val="0"/>
-          <c:extLst>
+          <c:extLst xmlns:c16r2="http://schemas.microsoft.com/office/drawing/2015/06/chart">
             <c:ext xmlns:c16="http://schemas.microsoft.com/office/drawing/2014/chart" uri="{C3380CC4-5D6E-409C-BE32-E72D297353CC}">
               <c16:uniqueId val="{00000000-246A-4573-BC62-5825CA14CE79}"/>
             </c:ext>
@@ -583,11 +587,11 @@
         </c:dLbls>
         <c:marker val="1"/>
         <c:smooth val="0"/>
-        <c:axId val="577745416"/>
-        <c:axId val="577744240"/>
+        <c:axId val="476207392"/>
+        <c:axId val="476206216"/>
       </c:lineChart>
       <c:catAx>
-        <c:axId val="577745416"/>
+        <c:axId val="476207392"/>
         <c:scaling>
           <c:orientation val="minMax"/>
         </c:scaling>
@@ -614,7 +618,7 @@
             <a:endParaRPr lang="en-US"/>
           </a:p>
         </c:txPr>
-        <c:crossAx val="577744240"/>
+        <c:crossAx val="476206216"/>
         <c:crosses val="autoZero"/>
         <c:auto val="1"/>
         <c:lblAlgn val="ctr"/>
@@ -622,7 +626,7 @@
         <c:noMultiLvlLbl val="0"/>
       </c:catAx>
       <c:valAx>
-        <c:axId val="577744240"/>
+        <c:axId val="476206216"/>
         <c:scaling>
           <c:orientation val="minMax"/>
           <c:max val="105"/>
@@ -661,7 +665,7 @@
             <a:endParaRPr lang="en-US"/>
           </a:p>
         </c:txPr>
-        <c:crossAx val="577745416"/>
+        <c:crossAx val="476207392"/>
         <c:crosses val="autoZero"/>
         <c:crossBetween val="between"/>
         <c:majorUnit val="25"/>
@@ -688,7 +692,7 @@
 </file>
 
 <file path=ppt/charts/chart3.xml><?xml version="1.0" encoding="utf-8"?>
-<c:chartSpace xmlns:c="http://schemas.openxmlformats.org/drawingml/2006/chart" xmlns:a="http://schemas.openxmlformats.org/drawingml/2006/main" xmlns:r="http://schemas.openxmlformats.org/officeDocument/2006/relationships" xmlns:c16r2="http://schemas.microsoft.com/office/drawing/2015/06/chart">
+<c:chartSpace xmlns:c="http://schemas.openxmlformats.org/drawingml/2006/chart" xmlns:a="http://schemas.openxmlformats.org/drawingml/2006/main" xmlns:r="http://schemas.openxmlformats.org/officeDocument/2006/relationships">
   <c:date1904 val="0"/>
   <c:lang val="en-US"/>
   <c:roundedCorners val="0"/>
@@ -745,10 +749,12 @@
             <c:size val="10"/>
             <c:spPr>
               <a:solidFill>
-                <a:schemeClr val="accent2"/>
+                <a:srgbClr val="FEF0DE"/>
               </a:solidFill>
-              <a:ln>
-                <a:noFill/>
+              <a:ln w="50800">
+                <a:solidFill>
+                  <a:schemeClr val="accent2"/>
+                </a:solidFill>
               </a:ln>
             </c:spPr>
           </c:marker>
@@ -794,7 +800,7 @@
             </c:numRef>
           </c:val>
           <c:smooth val="0"/>
-          <c:extLst>
+          <c:extLst xmlns:c16r2="http://schemas.microsoft.com/office/drawing/2015/06/chart">
             <c:ext xmlns:c16="http://schemas.microsoft.com/office/drawing/2014/chart" uri="{C3380CC4-5D6E-409C-BE32-E72D297353CC}">
               <c16:uniqueId val="{00000000-8F1A-4BA9-A506-4B0FBF3AE9D9}"/>
             </c:ext>
@@ -810,11 +816,11 @@
         </c:dLbls>
         <c:marker val="1"/>
         <c:smooth val="0"/>
-        <c:axId val="227810192"/>
-        <c:axId val="227809800"/>
+        <c:axId val="476206608"/>
+        <c:axId val="476209352"/>
       </c:lineChart>
       <c:catAx>
-        <c:axId val="227810192"/>
+        <c:axId val="476206608"/>
         <c:scaling>
           <c:orientation val="minMax"/>
         </c:scaling>
@@ -841,7 +847,7 @@
             <a:endParaRPr lang="en-US"/>
           </a:p>
         </c:txPr>
-        <c:crossAx val="227809800"/>
+        <c:crossAx val="476209352"/>
         <c:crosses val="autoZero"/>
         <c:auto val="1"/>
         <c:lblAlgn val="ctr"/>
@@ -849,7 +855,7 @@
         <c:noMultiLvlLbl val="0"/>
       </c:catAx>
       <c:valAx>
-        <c:axId val="227809800"/>
+        <c:axId val="476209352"/>
         <c:scaling>
           <c:orientation val="minMax"/>
           <c:max val="2000"/>
@@ -887,7 +893,7 @@
             <a:endParaRPr lang="en-US"/>
           </a:p>
         </c:txPr>
-        <c:crossAx val="227810192"/>
+        <c:crossAx val="476206608"/>
         <c:crosses val="autoZero"/>
         <c:crossBetween val="between"/>
         <c:majorUnit val="500"/>
@@ -914,7 +920,7 @@
 </file>
 
 <file path=ppt/charts/chart4.xml><?xml version="1.0" encoding="utf-8"?>
-<c:chartSpace xmlns:c="http://schemas.openxmlformats.org/drawingml/2006/chart" xmlns:a="http://schemas.openxmlformats.org/drawingml/2006/main" xmlns:r="http://schemas.openxmlformats.org/officeDocument/2006/relationships" xmlns:c16r2="http://schemas.microsoft.com/office/drawing/2015/06/chart">
+<c:chartSpace xmlns:c="http://schemas.openxmlformats.org/drawingml/2006/chart" xmlns:a="http://schemas.openxmlformats.org/drawingml/2006/main" xmlns:r="http://schemas.openxmlformats.org/officeDocument/2006/relationships">
   <c:date1904 val="0"/>
   <c:lang val="en-US"/>
   <c:roundedCorners val="0"/>
@@ -971,10 +977,12 @@
             <c:size val="10"/>
             <c:spPr>
               <a:solidFill>
-                <a:schemeClr val="accent2"/>
+                <a:srgbClr val="FEF0DE"/>
               </a:solidFill>
-              <a:ln>
-                <a:noFill/>
+              <a:ln w="50800">
+                <a:solidFill>
+                  <a:schemeClr val="accent2"/>
+                </a:solidFill>
               </a:ln>
             </c:spPr>
           </c:marker>
@@ -1026,7 +1034,7 @@
             </c:numRef>
           </c:val>
           <c:smooth val="0"/>
-          <c:extLst>
+          <c:extLst xmlns:c16r2="http://schemas.microsoft.com/office/drawing/2015/06/chart">
             <c:ext xmlns:c16="http://schemas.microsoft.com/office/drawing/2014/chart" uri="{C3380CC4-5D6E-409C-BE32-E72D297353CC}">
               <c16:uniqueId val="{00000000-54B2-40C6-A154-C6A5A51CA474}"/>
             </c:ext>
@@ -1042,11 +1050,11 @@
         </c:dLbls>
         <c:marker val="1"/>
         <c:smooth val="0"/>
-        <c:axId val="447689024"/>
-        <c:axId val="391690432"/>
+        <c:axId val="193062544"/>
+        <c:axId val="193064504"/>
       </c:lineChart>
       <c:catAx>
-        <c:axId val="447689024"/>
+        <c:axId val="193062544"/>
         <c:scaling>
           <c:orientation val="minMax"/>
         </c:scaling>
@@ -1073,7 +1081,7 @@
             <a:endParaRPr lang="en-US"/>
           </a:p>
         </c:txPr>
-        <c:crossAx val="391690432"/>
+        <c:crossAx val="193064504"/>
         <c:crosses val="autoZero"/>
         <c:auto val="1"/>
         <c:lblAlgn val="ctr"/>
@@ -1081,7 +1089,7 @@
         <c:noMultiLvlLbl val="0"/>
       </c:catAx>
       <c:valAx>
-        <c:axId val="391690432"/>
+        <c:axId val="193064504"/>
         <c:scaling>
           <c:orientation val="minMax"/>
         </c:scaling>
@@ -1118,7 +1126,7 @@
             <a:endParaRPr lang="en-US"/>
           </a:p>
         </c:txPr>
-        <c:crossAx val="447689024"/>
+        <c:crossAx val="193062544"/>
         <c:crosses val="autoZero"/>
         <c:crossBetween val="between"/>
         <c:majorUnit val="500"/>
@@ -1226,7 +1234,7 @@
           <a:p>
             <a:fld id="{EFC9C15E-BCC7-7848-B45B-7DE616F22962}" type="datetimeFigureOut">
               <a:rPr lang="en-US" smtClean="0"/>
-              <a:t>10/21/2016</a:t>
+              <a:t>10/22/2016</a:t>
             </a:fld>
             <a:endParaRPr lang="en-US"/>
           </a:p>
@@ -5307,6 +5315,14 @@
 <file path=ppt/slides/slide1.xml><?xml version="1.0" encoding="utf-8"?>
 <p:sld xmlns:a="http://schemas.openxmlformats.org/drawingml/2006/main" xmlns:r="http://schemas.openxmlformats.org/officeDocument/2006/relationships" xmlns:p="http://schemas.openxmlformats.org/presentationml/2006/main">
   <p:cSld>
+    <p:bg>
+      <p:bgPr>
+        <a:solidFill>
+          <a:srgbClr val="FEF0DE"/>
+        </a:solidFill>
+        <a:effectLst/>
+      </p:bgPr>
+    </p:bg>
     <p:spTree>
       <p:nvGrpSpPr>
         <p:cNvPr id="1" name=""/>
@@ -5402,7 +5418,7 @@
           <p:nvPr>
             <p:extLst>
               <p:ext uri="{D42A27DB-BD31-4B8C-83A1-F6EECF244321}">
-                <p14:modId xmlns:p14="http://schemas.microsoft.com/office/powerpoint/2010/main" val="3002254812"/>
+                <p14:modId xmlns:p14="http://schemas.microsoft.com/office/powerpoint/2010/main" val="72633778"/>
               </p:ext>
             </p:extLst>
           </p:nvPr>
@@ -5454,7 +5470,7 @@
           <p:nvPr>
             <p:extLst>
               <p:ext uri="{D42A27DB-BD31-4B8C-83A1-F6EECF244321}">
-                <p14:modId xmlns:p14="http://schemas.microsoft.com/office/powerpoint/2010/main" val="2000071972"/>
+                <p14:modId xmlns:p14="http://schemas.microsoft.com/office/powerpoint/2010/main" val="3924385788"/>
               </p:ext>
             </p:extLst>
           </p:nvPr>
@@ -5506,7 +5522,7 @@
           <p:nvPr>
             <p:extLst>
               <p:ext uri="{D42A27DB-BD31-4B8C-83A1-F6EECF244321}">
-                <p14:modId xmlns:p14="http://schemas.microsoft.com/office/powerpoint/2010/main" val="2547850038"/>
+                <p14:modId xmlns:p14="http://schemas.microsoft.com/office/powerpoint/2010/main" val="3442989910"/>
               </p:ext>
             </p:extLst>
           </p:nvPr>
@@ -5558,7 +5574,7 @@
           <p:nvPr>
             <p:extLst>
               <p:ext uri="{D42A27DB-BD31-4B8C-83A1-F6EECF244321}">
-                <p14:modId xmlns:p14="http://schemas.microsoft.com/office/powerpoint/2010/main" val="1889313300"/>
+                <p14:modId xmlns:p14="http://schemas.microsoft.com/office/powerpoint/2010/main" val="2593150850"/>
               </p:ext>
             </p:extLst>
           </p:nvPr>
